--- a/c# 및 유니티 스터디 기초반_스터디개요.pptx
+++ b/c# 및 유니티 스터디 기초반_스터디개요.pptx
@@ -250,7 +250,7 @@
           <a:p>
             <a:fld id="{144B0F12-4BDF-41BC-864D-DB316D0C94AA}" type="datetimeFigureOut">
               <a:rPr lang="ko-KR" altLang="en-US" smtClean="0"/>
-              <a:t>2020-02-14</a:t>
+              <a:t>2020-03-23</a:t>
             </a:fld>
             <a:endParaRPr lang="ko-KR" altLang="en-US"/>
           </a:p>
@@ -420,7 +420,7 @@
           <a:p>
             <a:fld id="{144B0F12-4BDF-41BC-864D-DB316D0C94AA}" type="datetimeFigureOut">
               <a:rPr lang="ko-KR" altLang="en-US" smtClean="0"/>
-              <a:t>2020-02-14</a:t>
+              <a:t>2020-03-23</a:t>
             </a:fld>
             <a:endParaRPr lang="ko-KR" altLang="en-US"/>
           </a:p>
@@ -600,7 +600,7 @@
           <a:p>
             <a:fld id="{144B0F12-4BDF-41BC-864D-DB316D0C94AA}" type="datetimeFigureOut">
               <a:rPr lang="ko-KR" altLang="en-US" smtClean="0"/>
-              <a:t>2020-02-14</a:t>
+              <a:t>2020-03-23</a:t>
             </a:fld>
             <a:endParaRPr lang="ko-KR" altLang="en-US"/>
           </a:p>
@@ -770,7 +770,7 @@
           <a:p>
             <a:fld id="{144B0F12-4BDF-41BC-864D-DB316D0C94AA}" type="datetimeFigureOut">
               <a:rPr lang="ko-KR" altLang="en-US" smtClean="0"/>
-              <a:t>2020-02-14</a:t>
+              <a:t>2020-03-23</a:t>
             </a:fld>
             <a:endParaRPr lang="ko-KR" altLang="en-US"/>
           </a:p>
@@ -1016,7 +1016,7 @@
           <a:p>
             <a:fld id="{144B0F12-4BDF-41BC-864D-DB316D0C94AA}" type="datetimeFigureOut">
               <a:rPr lang="ko-KR" altLang="en-US" smtClean="0"/>
-              <a:t>2020-02-14</a:t>
+              <a:t>2020-03-23</a:t>
             </a:fld>
             <a:endParaRPr lang="ko-KR" altLang="en-US"/>
           </a:p>
@@ -1248,7 +1248,7 @@
           <a:p>
             <a:fld id="{144B0F12-4BDF-41BC-864D-DB316D0C94AA}" type="datetimeFigureOut">
               <a:rPr lang="ko-KR" altLang="en-US" smtClean="0"/>
-              <a:t>2020-02-14</a:t>
+              <a:t>2020-03-23</a:t>
             </a:fld>
             <a:endParaRPr lang="ko-KR" altLang="en-US"/>
           </a:p>
@@ -1615,7 +1615,7 @@
           <a:p>
             <a:fld id="{144B0F12-4BDF-41BC-864D-DB316D0C94AA}" type="datetimeFigureOut">
               <a:rPr lang="ko-KR" altLang="en-US" smtClean="0"/>
-              <a:t>2020-02-14</a:t>
+              <a:t>2020-03-23</a:t>
             </a:fld>
             <a:endParaRPr lang="ko-KR" altLang="en-US"/>
           </a:p>
@@ -1733,7 +1733,7 @@
           <a:p>
             <a:fld id="{144B0F12-4BDF-41BC-864D-DB316D0C94AA}" type="datetimeFigureOut">
               <a:rPr lang="ko-KR" altLang="en-US" smtClean="0"/>
-              <a:t>2020-02-14</a:t>
+              <a:t>2020-03-23</a:t>
             </a:fld>
             <a:endParaRPr lang="ko-KR" altLang="en-US"/>
           </a:p>
@@ -1828,7 +1828,7 @@
           <a:p>
             <a:fld id="{144B0F12-4BDF-41BC-864D-DB316D0C94AA}" type="datetimeFigureOut">
               <a:rPr lang="ko-KR" altLang="en-US" smtClean="0"/>
-              <a:t>2020-02-14</a:t>
+              <a:t>2020-03-23</a:t>
             </a:fld>
             <a:endParaRPr lang="ko-KR" altLang="en-US"/>
           </a:p>
@@ -2105,7 +2105,7 @@
           <a:p>
             <a:fld id="{144B0F12-4BDF-41BC-864D-DB316D0C94AA}" type="datetimeFigureOut">
               <a:rPr lang="ko-KR" altLang="en-US" smtClean="0"/>
-              <a:t>2020-02-14</a:t>
+              <a:t>2020-03-23</a:t>
             </a:fld>
             <a:endParaRPr lang="ko-KR" altLang="en-US"/>
           </a:p>
@@ -2362,7 +2362,7 @@
           <a:p>
             <a:fld id="{144B0F12-4BDF-41BC-864D-DB316D0C94AA}" type="datetimeFigureOut">
               <a:rPr lang="ko-KR" altLang="en-US" smtClean="0"/>
-              <a:t>2020-02-14</a:t>
+              <a:t>2020-03-23</a:t>
             </a:fld>
             <a:endParaRPr lang="ko-KR" altLang="en-US"/>
           </a:p>
@@ -2575,7 +2575,7 @@
           <a:p>
             <a:fld id="{144B0F12-4BDF-41BC-864D-DB316D0C94AA}" type="datetimeFigureOut">
               <a:rPr lang="ko-KR" altLang="en-US" smtClean="0"/>
-              <a:t>2020-02-14</a:t>
+              <a:t>2020-03-23</a:t>
             </a:fld>
             <a:endParaRPr lang="ko-KR" altLang="en-US"/>
           </a:p>
@@ -3951,7 +3951,7 @@
           <a:lstStyle/>
           <a:p>
             <a:r>
-              <a:rPr lang="en-US" altLang="ko-KR" sz="3600">
+              <a:rPr lang="en-US" altLang="ko-KR" sz="3600" dirty="0">
                 <a:solidFill>
                   <a:srgbClr val="080808"/>
                 </a:solidFill>
@@ -3959,50 +3959,52 @@
               <a:t>C# </a:t>
             </a:r>
             <a:r>
-              <a:rPr lang="ko-KR" altLang="en-US" sz="3600">
+              <a:rPr lang="ko-KR" altLang="en-US" sz="3600" dirty="0">
                 <a:solidFill>
                   <a:srgbClr val="080808"/>
                 </a:solidFill>
               </a:rPr>
-              <a:t>스터디 개요</a:t>
-            </a:r>
-          </a:p>
-        </p:txBody>
-      </p:sp>
-      <p:sp>
-        <p:nvSpPr>
-          <p:cNvPr id="3" name="부제목 2">
-            <a:extLst>
-              <a:ext uri="{FF2B5EF4-FFF2-40B4-BE49-F238E27FC236}">
-                <a16:creationId xmlns:a16="http://schemas.microsoft.com/office/drawing/2014/main" id="{7FC1A668-429B-4319-B34F-1FD2476A5238}"/>
-              </a:ext>
-            </a:extLst>
-          </p:cNvPr>
-          <p:cNvSpPr>
-            <a:spLocks noGrp="1"/>
-          </p:cNvSpPr>
-          <p:nvPr>
-            <p:ph type="subTitle" idx="1"/>
-          </p:nvPr>
-        </p:nvSpPr>
-        <p:spPr>
-          <a:xfrm>
-            <a:off x="4439633" y="4518923"/>
-            <a:ext cx="3312734" cy="1141851"/>
-          </a:xfrm>
-          <a:noFill/>
-        </p:spPr>
-        <p:txBody>
-          <a:bodyPr>
-            <a:normAutofit/>
-          </a:bodyPr>
-          <a:lstStyle/>
-          <a:p>
-            <a:endParaRPr lang="ko-KR" altLang="en-US" sz="2000" dirty="0">
-              <a:solidFill>
-                <a:srgbClr val="080808"/>
-              </a:solidFill>
-            </a:endParaRPr>
+              <a:t>및 유니티 스터디</a:t>
+            </a:r>
+            <a:br>
+              <a:rPr lang="en-US" altLang="ko-KR" sz="3600" dirty="0">
+                <a:solidFill>
+                  <a:srgbClr val="080808"/>
+                </a:solidFill>
+              </a:rPr>
+            </a:br>
+            <a:r>
+              <a:rPr lang="en-US" altLang="ko-KR" sz="3600" dirty="0">
+                <a:solidFill>
+                  <a:srgbClr val="080808"/>
+                </a:solidFill>
+              </a:rPr>
+              <a:t>&lt;</a:t>
+            </a:r>
+            <a:r>
+              <a:rPr lang="ko-KR" altLang="en-US" sz="3600" dirty="0">
+                <a:solidFill>
+                  <a:srgbClr val="080808"/>
+                </a:solidFill>
+              </a:rPr>
+              <a:t>기초반</a:t>
+            </a:r>
+            <a:r>
+              <a:rPr lang="en-US" altLang="ko-KR" sz="3600" dirty="0">
+                <a:solidFill>
+                  <a:srgbClr val="080808"/>
+                </a:solidFill>
+              </a:rPr>
+              <a:t>&gt;</a:t>
+            </a:r>
+            <a:r>
+              <a:rPr lang="ko-KR" altLang="en-US" sz="3600" dirty="0">
+                <a:solidFill>
+                  <a:srgbClr val="080808"/>
+                </a:solidFill>
+              </a:rPr>
+              <a:t> 개요</a:t>
+            </a:r>
           </a:p>
         </p:txBody>
       </p:sp>
@@ -4778,7 +4780,7 @@
           <a:lstStyle/>
           <a:p>
             <a:r>
-              <a:rPr lang="ko-KR" altLang="en-US" sz="3600"/>
+              <a:rPr lang="ko-KR" altLang="en-US" sz="3600" dirty="0"/>
               <a:t>스터디 추천 대상</a:t>
             </a:r>
           </a:p>
@@ -5001,26 +5003,32 @@
               <a:buAutoNum type="arabicPeriod"/>
             </a:pPr>
             <a:r>
-              <a:rPr lang="ko-KR" altLang="en-US" sz="2000" dirty="0"/>
+              <a:rPr lang="ko-KR" altLang="en-US" sz="2400" dirty="0"/>
               <a:t>프로그래밍을 한 번도 접해보지 못했던 프로그래머 파트 인원</a:t>
             </a:r>
-            <a:endParaRPr lang="en-US" altLang="ko-KR" sz="2000" dirty="0"/>
+            <a:endParaRPr lang="en-US" altLang="ko-KR" sz="2400" dirty="0"/>
           </a:p>
           <a:p>
             <a:pPr marL="514350" indent="-514350">
               <a:buAutoNum type="arabicPeriod"/>
             </a:pPr>
-            <a:r>
-              <a:rPr lang="ko-KR" altLang="en-US" sz="2000" dirty="0"/>
+            <a:endParaRPr lang="en-US" altLang="ko-KR" sz="2400" dirty="0"/>
+          </a:p>
+          <a:p>
+            <a:pPr marL="514350" indent="-514350">
+              <a:buAutoNum type="arabicPeriod"/>
+            </a:pPr>
+            <a:r>
+              <a:rPr lang="ko-KR" altLang="en-US" sz="2400" dirty="0"/>
               <a:t>프로그래밍을 알고 싶어 하는 기획 또는 그래픽 인원</a:t>
             </a:r>
-            <a:endParaRPr lang="en-US" altLang="ko-KR" sz="2000" dirty="0"/>
-          </a:p>
-          <a:p>
-            <a:pPr marL="0" indent="0">
-              <a:buNone/>
+            <a:endParaRPr lang="en-US" altLang="ko-KR" sz="2400" dirty="0"/>
+          </a:p>
+          <a:p>
+            <a:pPr marL="514350" indent="-514350">
+              <a:buAutoNum type="arabicPeriod"/>
             </a:pPr>
-            <a:endParaRPr lang="ko-KR" altLang="en-US" sz="2000" dirty="0"/>
+            <a:endParaRPr lang="en-US" altLang="ko-KR" sz="2400" dirty="0"/>
           </a:p>
         </p:txBody>
       </p:sp>
@@ -6021,10 +6029,17 @@
               <a:buNone/>
             </a:pPr>
             <a:r>
-              <a:rPr lang="ko-KR" altLang="en-US" sz="2000" dirty="0"/>
+              <a:rPr lang="en-US" altLang="ko-KR" sz="2400" dirty="0"/>
+              <a:t>&lt;</a:t>
+            </a:r>
+            <a:r>
+              <a:rPr lang="ko-KR" altLang="en-US" sz="2400" dirty="0"/>
               <a:t>프로그래밍 시작하기</a:t>
             </a:r>
-            <a:endParaRPr lang="en-US" altLang="ko-KR" sz="2000" dirty="0"/>
+            <a:r>
+              <a:rPr lang="en-US" altLang="ko-KR" sz="2400" dirty="0"/>
+              <a:t>&gt;</a:t>
+            </a:r>
           </a:p>
           <a:p>
             <a:pPr marL="0" indent="0">
@@ -6719,10 +6734,17 @@
               <a:buNone/>
             </a:pPr>
             <a:r>
-              <a:rPr lang="ko-KR" altLang="en-US" sz="2000" dirty="0"/>
-              <a:t>유니티 사용해보기</a:t>
-            </a:r>
-            <a:endParaRPr lang="en-US" altLang="ko-KR" sz="2000" dirty="0"/>
+              <a:rPr lang="en-US" altLang="ko-KR" sz="2400" dirty="0"/>
+              <a:t>&lt;</a:t>
+            </a:r>
+            <a:r>
+              <a:rPr lang="ko-KR" altLang="en-US" sz="2400" dirty="0"/>
+              <a:t>유니티 엔진 알아보기</a:t>
+            </a:r>
+            <a:r>
+              <a:rPr lang="en-US" altLang="ko-KR" sz="2400" dirty="0"/>
+              <a:t>&gt;</a:t>
+            </a:r>
           </a:p>
           <a:p>
             <a:pPr marL="0" indent="0">
@@ -7338,7 +7360,7 @@
             </a:pPr>
             <a:r>
               <a:rPr lang="ko-KR" altLang="en-US" sz="2000" dirty="0"/>
-              <a:t>비주얼 스튜디오 깔기</a:t>
+              <a:t>비주얼 스튜디오 설치하기</a:t>
             </a:r>
             <a:endParaRPr lang="en-US" altLang="ko-KR" sz="2000" dirty="0"/>
           </a:p>
@@ -7419,7 +7441,7 @@
             </a:r>
             <a:r>
               <a:rPr lang="ko-KR" altLang="en-US" sz="2000" dirty="0"/>
-              <a:t>가입</a:t>
+              <a:t>가입하기</a:t>
             </a:r>
             <a:endParaRPr lang="en-US" altLang="ko-KR" sz="2000" dirty="0"/>
           </a:p>
@@ -7451,9 +7473,20 @@
             </a:r>
             <a:r>
               <a:rPr lang="ko-KR" altLang="en-US" sz="2000" dirty="0"/>
-              <a:t> 설치</a:t>
-            </a:r>
-            <a:endParaRPr lang="en-US" altLang="ko-KR" sz="2000" dirty="0"/>
+              <a:t> 설치 </a:t>
+            </a:r>
+            <a:r>
+              <a:rPr lang="en-US" altLang="ko-KR" sz="2000" dirty="0"/>
+              <a:t>– Git </a:t>
+            </a:r>
+            <a:r>
+              <a:rPr lang="ko-KR" altLang="en-US" sz="2000" dirty="0"/>
+              <a:t>특강으로 인해 필수 </a:t>
+            </a:r>
+            <a:r>
+              <a:rPr lang="en-US" altLang="ko-KR" sz="2000" dirty="0"/>
+              <a:t>X</a:t>
+            </a:r>
           </a:p>
           <a:p>
             <a:pPr marL="0" indent="0">
@@ -7726,8 +7759,8 @@
         </p:nvSpPr>
         <p:spPr>
           <a:xfrm>
-            <a:off x="643467" y="1782981"/>
-            <a:ext cx="10905066" cy="4393982"/>
+            <a:off x="1461246" y="5788712"/>
+            <a:ext cx="5862919" cy="1052281"/>
           </a:xfrm>
         </p:spPr>
         <p:txBody>
@@ -7741,7 +7774,7 @@
             </a:pPr>
             <a:r>
               <a:rPr lang="ko-KR" altLang="en-US" sz="2000" dirty="0"/>
-              <a:t>위 내용은 스터디 구성원의 사정과 합의에 의해 수정될 수 있습니다</a:t>
+              <a:t>위 내용은 스터디 구성원의 사정과 상호간의 합의에 의해 수정될 수 있습니다</a:t>
             </a:r>
           </a:p>
         </p:txBody>
@@ -8045,6 +8078,122 @@
             <a:r>
               <a:rPr lang="ko-KR" altLang="en-US" sz="5400" dirty="0"/>
               <a:t>끝</a:t>
+            </a:r>
+          </a:p>
+        </p:txBody>
+      </p:sp>
+      <p:sp>
+        <p:nvSpPr>
+          <p:cNvPr id="2" name="TextBox 1">
+            <a:extLst>
+              <a:ext uri="{FF2B5EF4-FFF2-40B4-BE49-F238E27FC236}">
+                <a16:creationId xmlns:a16="http://schemas.microsoft.com/office/drawing/2014/main" id="{189AD04D-7F42-4877-8603-01C1650C3A37}"/>
+              </a:ext>
+            </a:extLst>
+          </p:cNvPr>
+          <p:cNvSpPr txBox="1"/>
+          <p:nvPr/>
+        </p:nvSpPr>
+        <p:spPr>
+          <a:xfrm>
+            <a:off x="1461246" y="703719"/>
+            <a:ext cx="5791201" cy="461665"/>
+          </a:xfrm>
+          <a:prstGeom prst="rect">
+            <a:avLst/>
+          </a:prstGeom>
+          <a:noFill/>
+        </p:spPr>
+        <p:txBody>
+          <a:bodyPr wrap="square" rtlCol="0">
+            <a:spAutoFit/>
+          </a:bodyPr>
+          <a:lstStyle/>
+          <a:p>
+            <a:r>
+              <a:rPr lang="ko-KR" altLang="en-US" sz="2400" dirty="0"/>
+              <a:t>스터디 관련</a:t>
+            </a:r>
+            <a:r>
+              <a:rPr lang="en-US" altLang="ko-KR" sz="2400" dirty="0"/>
+              <a:t>, 0</a:t>
+            </a:r>
+            <a:r>
+              <a:rPr lang="ko-KR" altLang="en-US" sz="2400" dirty="0"/>
+              <a:t>주차 숙제 관련 질문 환영</a:t>
+            </a:r>
+          </a:p>
+        </p:txBody>
+      </p:sp>
+      <p:sp>
+        <p:nvSpPr>
+          <p:cNvPr id="4" name="TextBox 3">
+            <a:extLst>
+              <a:ext uri="{FF2B5EF4-FFF2-40B4-BE49-F238E27FC236}">
+                <a16:creationId xmlns:a16="http://schemas.microsoft.com/office/drawing/2014/main" id="{2EC42858-E2BF-4F73-ACAA-3782DB298476}"/>
+              </a:ext>
+            </a:extLst>
+          </p:cNvPr>
+          <p:cNvSpPr txBox="1"/>
+          <p:nvPr/>
+        </p:nvSpPr>
+        <p:spPr>
+          <a:xfrm>
+            <a:off x="1461246" y="1775012"/>
+            <a:ext cx="5611906" cy="1631216"/>
+          </a:xfrm>
+          <a:prstGeom prst="rect">
+            <a:avLst/>
+          </a:prstGeom>
+          <a:noFill/>
+        </p:spPr>
+        <p:txBody>
+          <a:bodyPr wrap="square" rtlCol="0">
+            <a:spAutoFit/>
+          </a:bodyPr>
+          <a:lstStyle/>
+          <a:p>
+            <a:r>
+              <a:rPr lang="en-US" altLang="ko-KR" sz="2000" dirty="0"/>
+              <a:t>Slack: </a:t>
+            </a:r>
+            <a:r>
+              <a:rPr lang="ko-KR" altLang="en-US" sz="2000" dirty="0"/>
+              <a:t>김정현에게 </a:t>
+            </a:r>
+            <a:r>
+              <a:rPr lang="en-US" altLang="ko-KR" sz="2000" dirty="0"/>
+              <a:t>DM</a:t>
+            </a:r>
+          </a:p>
+          <a:p>
+            <a:endParaRPr lang="en-US" altLang="ko-KR" sz="2000" dirty="0"/>
+          </a:p>
+          <a:p>
+            <a:r>
+              <a:rPr lang="ko-KR" altLang="en-US" sz="2000" dirty="0"/>
+              <a:t>카카오톡 </a:t>
+            </a:r>
+            <a:r>
+              <a:rPr lang="en-US" altLang="ko-KR" sz="2000" dirty="0"/>
+              <a:t>ID: kjh99660</a:t>
+            </a:r>
+          </a:p>
+          <a:p>
+            <a:endParaRPr lang="en-US" altLang="ko-KR" sz="2000" dirty="0"/>
+          </a:p>
+          <a:p>
+            <a:r>
+              <a:rPr lang="en-US" altLang="ko-KR" sz="2000" dirty="0"/>
+              <a:t>Discord: CIEN </a:t>
+            </a:r>
+            <a:r>
+              <a:rPr lang="ko-KR" altLang="en-US" sz="2000" dirty="0" err="1"/>
+              <a:t>디스코드</a:t>
+            </a:r>
+            <a:r>
+              <a:rPr lang="ko-KR" altLang="en-US" sz="2000" dirty="0"/>
+              <a:t> 방에 김정현에게 메시지</a:t>
             </a:r>
           </a:p>
         </p:txBody>

--- a/c# 및 유니티 스터디 기초반_스터디개요.pptx
+++ b/c# 및 유니티 스터디 기초반_스터디개요.pptx
@@ -250,7 +250,7 @@
           <a:p>
             <a:fld id="{144B0F12-4BDF-41BC-864D-DB316D0C94AA}" type="datetimeFigureOut">
               <a:rPr lang="ko-KR" altLang="en-US" smtClean="0"/>
-              <a:t>2020-03-23</a:t>
+              <a:t>2020-03-30</a:t>
             </a:fld>
             <a:endParaRPr lang="ko-KR" altLang="en-US"/>
           </a:p>
@@ -420,7 +420,7 @@
           <a:p>
             <a:fld id="{144B0F12-4BDF-41BC-864D-DB316D0C94AA}" type="datetimeFigureOut">
               <a:rPr lang="ko-KR" altLang="en-US" smtClean="0"/>
-              <a:t>2020-03-23</a:t>
+              <a:t>2020-03-30</a:t>
             </a:fld>
             <a:endParaRPr lang="ko-KR" altLang="en-US"/>
           </a:p>
@@ -600,7 +600,7 @@
           <a:p>
             <a:fld id="{144B0F12-4BDF-41BC-864D-DB316D0C94AA}" type="datetimeFigureOut">
               <a:rPr lang="ko-KR" altLang="en-US" smtClean="0"/>
-              <a:t>2020-03-23</a:t>
+              <a:t>2020-03-30</a:t>
             </a:fld>
             <a:endParaRPr lang="ko-KR" altLang="en-US"/>
           </a:p>
@@ -770,7 +770,7 @@
           <a:p>
             <a:fld id="{144B0F12-4BDF-41BC-864D-DB316D0C94AA}" type="datetimeFigureOut">
               <a:rPr lang="ko-KR" altLang="en-US" smtClean="0"/>
-              <a:t>2020-03-23</a:t>
+              <a:t>2020-03-30</a:t>
             </a:fld>
             <a:endParaRPr lang="ko-KR" altLang="en-US"/>
           </a:p>
@@ -1016,7 +1016,7 @@
           <a:p>
             <a:fld id="{144B0F12-4BDF-41BC-864D-DB316D0C94AA}" type="datetimeFigureOut">
               <a:rPr lang="ko-KR" altLang="en-US" smtClean="0"/>
-              <a:t>2020-03-23</a:t>
+              <a:t>2020-03-30</a:t>
             </a:fld>
             <a:endParaRPr lang="ko-KR" altLang="en-US"/>
           </a:p>
@@ -1248,7 +1248,7 @@
           <a:p>
             <a:fld id="{144B0F12-4BDF-41BC-864D-DB316D0C94AA}" type="datetimeFigureOut">
               <a:rPr lang="ko-KR" altLang="en-US" smtClean="0"/>
-              <a:t>2020-03-23</a:t>
+              <a:t>2020-03-30</a:t>
             </a:fld>
             <a:endParaRPr lang="ko-KR" altLang="en-US"/>
           </a:p>
@@ -1615,7 +1615,7 @@
           <a:p>
             <a:fld id="{144B0F12-4BDF-41BC-864D-DB316D0C94AA}" type="datetimeFigureOut">
               <a:rPr lang="ko-KR" altLang="en-US" smtClean="0"/>
-              <a:t>2020-03-23</a:t>
+              <a:t>2020-03-30</a:t>
             </a:fld>
             <a:endParaRPr lang="ko-KR" altLang="en-US"/>
           </a:p>
@@ -1733,7 +1733,7 @@
           <a:p>
             <a:fld id="{144B0F12-4BDF-41BC-864D-DB316D0C94AA}" type="datetimeFigureOut">
               <a:rPr lang="ko-KR" altLang="en-US" smtClean="0"/>
-              <a:t>2020-03-23</a:t>
+              <a:t>2020-03-30</a:t>
             </a:fld>
             <a:endParaRPr lang="ko-KR" altLang="en-US"/>
           </a:p>
@@ -1828,7 +1828,7 @@
           <a:p>
             <a:fld id="{144B0F12-4BDF-41BC-864D-DB316D0C94AA}" type="datetimeFigureOut">
               <a:rPr lang="ko-KR" altLang="en-US" smtClean="0"/>
-              <a:t>2020-03-23</a:t>
+              <a:t>2020-03-30</a:t>
             </a:fld>
             <a:endParaRPr lang="ko-KR" altLang="en-US"/>
           </a:p>
@@ -2105,7 +2105,7 @@
           <a:p>
             <a:fld id="{144B0F12-4BDF-41BC-864D-DB316D0C94AA}" type="datetimeFigureOut">
               <a:rPr lang="ko-KR" altLang="en-US" smtClean="0"/>
-              <a:t>2020-03-23</a:t>
+              <a:t>2020-03-30</a:t>
             </a:fld>
             <a:endParaRPr lang="ko-KR" altLang="en-US"/>
           </a:p>
@@ -2362,7 +2362,7 @@
           <a:p>
             <a:fld id="{144B0F12-4BDF-41BC-864D-DB316D0C94AA}" type="datetimeFigureOut">
               <a:rPr lang="ko-KR" altLang="en-US" smtClean="0"/>
-              <a:t>2020-03-23</a:t>
+              <a:t>2020-03-30</a:t>
             </a:fld>
             <a:endParaRPr lang="ko-KR" altLang="en-US"/>
           </a:p>
@@ -2575,7 +2575,7 @@
           <a:p>
             <a:fld id="{144B0F12-4BDF-41BC-864D-DB316D0C94AA}" type="datetimeFigureOut">
               <a:rPr lang="ko-KR" altLang="en-US" smtClean="0"/>
-              <a:t>2020-03-23</a:t>
+              <a:t>2020-03-30</a:t>
             </a:fld>
             <a:endParaRPr lang="ko-KR" altLang="en-US"/>
           </a:p>
@@ -6073,7 +6073,7 @@
             </a:r>
             <a:r>
               <a:rPr lang="ko-KR" altLang="en-US" sz="2000" dirty="0"/>
-              <a:t>환경 구축</a:t>
+              <a:t>개발 환경 준비</a:t>
             </a:r>
             <a:r>
               <a:rPr lang="en-US" altLang="ko-KR" sz="2000" dirty="0"/>
@@ -7345,13 +7345,13 @@
         </p:nvSpPr>
         <p:spPr>
           <a:xfrm>
-            <a:off x="6090998" y="643467"/>
-            <a:ext cx="5457533" cy="5571065"/>
+            <a:off x="6091000" y="192505"/>
+            <a:ext cx="5457533" cy="6665495"/>
           </a:xfrm>
         </p:spPr>
         <p:txBody>
           <a:bodyPr anchor="ctr">
-            <a:normAutofit lnSpcReduction="10000"/>
+            <a:normAutofit/>
           </a:bodyPr>
           <a:lstStyle/>
           <a:p>
@@ -7397,7 +7397,18 @@
             <a:pPr marL="0" indent="0">
               <a:buNone/>
             </a:pPr>
-            <a:endParaRPr lang="en-US" altLang="ko-KR" sz="2000" dirty="0"/>
+            <a:r>
+              <a:rPr lang="en-US" altLang="ko-KR" sz="2000" dirty="0"/>
+              <a:t>&lt;C#</a:t>
+            </a:r>
+            <a:r>
+              <a:rPr lang="ko-KR" altLang="en-US" sz="2000" dirty="0"/>
+              <a:t>이 포함될 수 있도록 깔기</a:t>
+            </a:r>
+            <a:r>
+              <a:rPr lang="en-US" altLang="ko-KR" sz="2000" dirty="0"/>
+              <a:t>&gt;</a:t>
+            </a:r>
           </a:p>
           <a:p>
             <a:pPr marL="0" indent="0">
@@ -7759,8 +7770,8 @@
         </p:nvSpPr>
         <p:spPr>
           <a:xfrm>
-            <a:off x="1461246" y="5788712"/>
-            <a:ext cx="5862919" cy="1052281"/>
+            <a:off x="1461246" y="5788713"/>
+            <a:ext cx="5862919" cy="923330"/>
           </a:xfrm>
         </p:spPr>
         <p:txBody>
@@ -8062,7 +8073,7 @@
         <p:spPr>
           <a:xfrm>
             <a:off x="10390094" y="5457015"/>
-            <a:ext cx="1712259" cy="923330"/>
+            <a:ext cx="912691" cy="923330"/>
           </a:xfrm>
           <a:prstGeom prst="rect">
             <a:avLst/>
@@ -8097,7 +8108,7 @@
         <p:spPr>
           <a:xfrm>
             <a:off x="1461246" y="703719"/>
-            <a:ext cx="5791201" cy="461665"/>
+            <a:ext cx="5791201" cy="830997"/>
           </a:xfrm>
           <a:prstGeom prst="rect">
             <a:avLst/>
@@ -8112,11 +8123,17 @@
           <a:p>
             <a:r>
               <a:rPr lang="ko-KR" altLang="en-US" sz="2400" dirty="0"/>
-              <a:t>스터디 관련</a:t>
+              <a:t>스터디 관련 질문</a:t>
             </a:r>
             <a:r>
               <a:rPr lang="en-US" altLang="ko-KR" sz="2400" dirty="0"/>
-              <a:t>, 0</a:t>
+              <a:t> </a:t>
+            </a:r>
+          </a:p>
+          <a:p>
+            <a:r>
+              <a:rPr lang="en-US" altLang="ko-KR" sz="2400" dirty="0"/>
+              <a:t>0</a:t>
             </a:r>
             <a:r>
               <a:rPr lang="ko-KR" altLang="en-US" sz="2400" dirty="0"/>
@@ -8189,11 +8206,11 @@
             </a:r>
             <a:r>
               <a:rPr lang="ko-KR" altLang="en-US" sz="2000" dirty="0" err="1"/>
-              <a:t>디스코드</a:t>
+              <a:t>디스코드에서</a:t>
             </a:r>
             <a:r>
               <a:rPr lang="ko-KR" altLang="en-US" sz="2000" dirty="0"/>
-              <a:t> 방에 김정현에게 메시지</a:t>
+              <a:t> 김정현에게 메시지</a:t>
             </a:r>
           </a:p>
         </p:txBody>
